--- a/spring/presentation/springframework.pptx
+++ b/spring/presentation/springframework.pptx
@@ -319,7 +319,7 @@
             <a:fld id="{1D8BD707-D9CF-40AE-B4C6-C98DA3205C09}" type="datetimeFigureOut">
               <a:rPr lang="en-US" smtClean="0"/>
               <a:pPr/>
-              <a:t>11/20/2021</a:t>
+              <a:t>7/28/2022</a:t>
             </a:fld>
             <a:endParaRPr lang="en-US"/>
           </a:p>
@@ -484,7 +484,7 @@
             <a:fld id="{1D8BD707-D9CF-40AE-B4C6-C98DA3205C09}" type="datetimeFigureOut">
               <a:rPr lang="en-US" smtClean="0"/>
               <a:pPr/>
-              <a:t>11/20/2021</a:t>
+              <a:t>7/28/2022</a:t>
             </a:fld>
             <a:endParaRPr lang="en-US"/>
           </a:p>
@@ -659,7 +659,7 @@
             <a:fld id="{1D8BD707-D9CF-40AE-B4C6-C98DA3205C09}" type="datetimeFigureOut">
               <a:rPr lang="en-US" smtClean="0"/>
               <a:pPr/>
-              <a:t>11/20/2021</a:t>
+              <a:t>7/28/2022</a:t>
             </a:fld>
             <a:endParaRPr lang="en-US"/>
           </a:p>
@@ -824,7 +824,7 @@
             <a:fld id="{1D8BD707-D9CF-40AE-B4C6-C98DA3205C09}" type="datetimeFigureOut">
               <a:rPr lang="en-US" smtClean="0"/>
               <a:pPr/>
-              <a:t>11/20/2021</a:t>
+              <a:t>7/28/2022</a:t>
             </a:fld>
             <a:endParaRPr lang="en-US"/>
           </a:p>
@@ -1066,7 +1066,7 @@
             <a:fld id="{1D8BD707-D9CF-40AE-B4C6-C98DA3205C09}" type="datetimeFigureOut">
               <a:rPr lang="en-US" smtClean="0"/>
               <a:pPr/>
-              <a:t>11/20/2021</a:t>
+              <a:t>7/28/2022</a:t>
             </a:fld>
             <a:endParaRPr lang="en-US"/>
           </a:p>
@@ -1348,7 +1348,7 @@
             <a:fld id="{1D8BD707-D9CF-40AE-B4C6-C98DA3205C09}" type="datetimeFigureOut">
               <a:rPr lang="en-US" smtClean="0"/>
               <a:pPr/>
-              <a:t>11/20/2021</a:t>
+              <a:t>7/28/2022</a:t>
             </a:fld>
             <a:endParaRPr lang="en-US"/>
           </a:p>
@@ -1764,7 +1764,7 @@
             <a:fld id="{1D8BD707-D9CF-40AE-B4C6-C98DA3205C09}" type="datetimeFigureOut">
               <a:rPr lang="en-US" smtClean="0"/>
               <a:pPr/>
-              <a:t>11/20/2021</a:t>
+              <a:t>7/28/2022</a:t>
             </a:fld>
             <a:endParaRPr lang="en-US"/>
           </a:p>
@@ -1878,7 +1878,7 @@
             <a:fld id="{1D8BD707-D9CF-40AE-B4C6-C98DA3205C09}" type="datetimeFigureOut">
               <a:rPr lang="en-US" smtClean="0"/>
               <a:pPr/>
-              <a:t>11/20/2021</a:t>
+              <a:t>7/28/2022</a:t>
             </a:fld>
             <a:endParaRPr lang="en-US"/>
           </a:p>
@@ -1970,7 +1970,7 @@
             <a:fld id="{1D8BD707-D9CF-40AE-B4C6-C98DA3205C09}" type="datetimeFigureOut">
               <a:rPr lang="en-US" smtClean="0"/>
               <a:pPr/>
-              <a:t>11/20/2021</a:t>
+              <a:t>7/28/2022</a:t>
             </a:fld>
             <a:endParaRPr lang="en-US"/>
           </a:p>
@@ -2242,7 +2242,7 @@
             <a:fld id="{1D8BD707-D9CF-40AE-B4C6-C98DA3205C09}" type="datetimeFigureOut">
               <a:rPr lang="en-US" smtClean="0"/>
               <a:pPr/>
-              <a:t>11/20/2021</a:t>
+              <a:t>7/28/2022</a:t>
             </a:fld>
             <a:endParaRPr lang="en-US"/>
           </a:p>
@@ -2491,7 +2491,7 @@
             <a:fld id="{1D8BD707-D9CF-40AE-B4C6-C98DA3205C09}" type="datetimeFigureOut">
               <a:rPr lang="en-US" smtClean="0"/>
               <a:pPr/>
-              <a:t>11/20/2021</a:t>
+              <a:t>7/28/2022</a:t>
             </a:fld>
             <a:endParaRPr lang="en-US"/>
           </a:p>
@@ -2699,7 +2699,7 @@
             <a:fld id="{1D8BD707-D9CF-40AE-B4C6-C98DA3205C09}" type="datetimeFigureOut">
               <a:rPr lang="en-US" smtClean="0"/>
               <a:pPr/>
-              <a:t>11/20/2021</a:t>
+              <a:t>7/28/2022</a:t>
             </a:fld>
             <a:endParaRPr lang="en-US"/>
           </a:p>
